--- a/breakbox/打磚塊20240508 (補充).pptx
+++ b/breakbox/打磚塊20240508 (補充).pptx
@@ -5,10 +5,10 @@
     <p:sldMasterId id="2147483746" r:id="rId1"/>
   </p:sldMasterIdLst>
   <p:notesMasterIdLst>
-    <p:notesMasterId r:id="rId10"/>
+    <p:notesMasterId r:id="rId13"/>
   </p:notesMasterIdLst>
   <p:handoutMasterIdLst>
-    <p:handoutMasterId r:id="rId11"/>
+    <p:handoutMasterId r:id="rId14"/>
   </p:handoutMasterIdLst>
   <p:sldIdLst>
     <p:sldId id="257" r:id="rId2"/>
@@ -18,7 +18,10 @@
     <p:sldId id="264" r:id="rId6"/>
     <p:sldId id="270" r:id="rId7"/>
     <p:sldId id="271" r:id="rId8"/>
-    <p:sldId id="263" r:id="rId9"/>
+    <p:sldId id="273" r:id="rId9"/>
+    <p:sldId id="274" r:id="rId10"/>
+    <p:sldId id="263" r:id="rId11"/>
+    <p:sldId id="272" r:id="rId12"/>
   </p:sldIdLst>
   <p:sldSz cx="12192000" cy="6858000"/>
   <p:notesSz cx="6858000" cy="9144000"/>
@@ -212,7 +215,7 @@
             <a:pPr rtl="0"/>
             <a:fld id="{550261E5-B7A8-407C-8EC1-76B17CEB3BFC}" type="datetime1">
               <a:rPr lang="zh-TW" altLang="en-US" smtClean="0"/>
-              <a:t>2024/5/8</a:t>
+              <a:t>2024/5/13</a:t>
             </a:fld>
             <a:endParaRPr lang="en-US" dirty="0"/>
           </a:p>
@@ -382,7 +385,7 @@
             <a:pPr rtl="0"/>
             <a:fld id="{950AEE62-6B03-446E-B028-1F2C67AA2CBE}" type="datetime1">
               <a:rPr lang="zh-TW" altLang="en-US" smtClean="0"/>
-              <a:t>2024/5/8</a:t>
+              <a:t>2024/5/13</a:t>
             </a:fld>
             <a:endParaRPr lang="en-US"/>
           </a:p>
@@ -902,7 +905,7 @@
             <a:pPr rtl="0"/>
             <a:fld id="{91E8D126-38DE-467F-A065-2775F6C58740}" type="datetime1">
               <a:rPr lang="zh-TW" altLang="en-US" smtClean="0"/>
-              <a:t>2024/5/8</a:t>
+              <a:t>2024/5/13</a:t>
             </a:fld>
             <a:endParaRPr lang="en-US" dirty="0"/>
           </a:p>
@@ -1094,7 +1097,7 @@
             <a:pPr rtl="0"/>
             <a:fld id="{7AD90E0D-C35F-4A14-A7E8-7670CE6639F2}" type="datetime1">
               <a:rPr lang="zh-TW" altLang="en-US" smtClean="0"/>
-              <a:t>2024/5/8</a:t>
+              <a:t>2024/5/13</a:t>
             </a:fld>
             <a:endParaRPr lang="en-US" dirty="0"/>
           </a:p>
@@ -1340,7 +1343,7 @@
             <a:pPr rtl="0"/>
             <a:fld id="{E2E02858-A2D1-43A3-9BDC-80D1F48AA51B}" type="datetime1">
               <a:rPr lang="zh-TW" altLang="en-US" smtClean="0"/>
-              <a:t>2024/5/8</a:t>
+              <a:t>2024/5/13</a:t>
             </a:fld>
             <a:endParaRPr lang="en-US" dirty="0"/>
           </a:p>
@@ -1532,7 +1535,7 @@
             <a:pPr rtl="0"/>
             <a:fld id="{A55B7815-05FA-48A0-B9F7-1E04C4F2927A}" type="datetime1">
               <a:rPr lang="zh-TW" altLang="en-US" smtClean="0"/>
-              <a:t>2024/5/8</a:t>
+              <a:t>2024/5/13</a:t>
             </a:fld>
             <a:endParaRPr lang="en-US" dirty="0"/>
           </a:p>
@@ -1909,7 +1912,7 @@
             <a:pPr rtl="0"/>
             <a:fld id="{3FBF2AB9-D521-429F-BA9E-A2DD356AF2DF}" type="datetime1">
               <a:rPr lang="zh-TW" altLang="en-US" smtClean="0"/>
-              <a:t>2024/5/8</a:t>
+              <a:t>2024/5/13</a:t>
             </a:fld>
             <a:endParaRPr lang="en-US" dirty="0"/>
           </a:p>
@@ -2168,7 +2171,7 @@
             <a:pPr rtl="0"/>
             <a:fld id="{E748A74C-3BFC-4F64-9D88-E80E3E32994C}" type="datetime1">
               <a:rPr lang="zh-TW" altLang="en-US" smtClean="0"/>
-              <a:t>2024/5/8</a:t>
+              <a:t>2024/5/13</a:t>
             </a:fld>
             <a:endParaRPr lang="en-US" dirty="0"/>
           </a:p>
@@ -2569,7 +2572,7 @@
             <a:pPr rtl="0"/>
             <a:fld id="{C0166BAE-2749-48CF-A2DD-C010F9F8CC67}" type="datetime1">
               <a:rPr lang="zh-TW" altLang="en-US" smtClean="0"/>
-              <a:t>2024/5/8</a:t>
+              <a:t>2024/5/13</a:t>
             </a:fld>
             <a:endParaRPr lang="en-US" dirty="0"/>
           </a:p>
@@ -2709,7 +2712,7 @@
             <a:pPr rtl="0"/>
             <a:fld id="{42EB3E87-0960-43A6-B33B-AB6B15A82628}" type="datetime1">
               <a:rPr lang="zh-TW" altLang="en-US" smtClean="0"/>
-              <a:t>2024/5/8</a:t>
+              <a:t>2024/5/13</a:t>
             </a:fld>
             <a:endParaRPr lang="en-US" dirty="0"/>
           </a:p>
@@ -2869,7 +2872,7 @@
             <a:pPr rtl="0"/>
             <a:fld id="{0A92F8F0-693D-4EF4-BEF5-7FD95F4C1D80}" type="datetime1">
               <a:rPr lang="zh-TW" altLang="en-US" smtClean="0"/>
-              <a:t>2024/5/8</a:t>
+              <a:t>2024/5/13</a:t>
             </a:fld>
             <a:endParaRPr lang="en-US" dirty="0"/>
           </a:p>
@@ -3202,7 +3205,7 @@
             <a:pPr rtl="0"/>
             <a:fld id="{4E96419C-65CA-4A96-8C8D-1B83D1EEA06C}" type="datetime1">
               <a:rPr lang="zh-TW" altLang="en-US" smtClean="0"/>
-              <a:t>2024/5/8</a:t>
+              <a:t>2024/5/13</a:t>
             </a:fld>
             <a:endParaRPr lang="en-US" dirty="0"/>
           </a:p>
@@ -3557,7 +3560,7 @@
             <a:pPr rtl="0"/>
             <a:fld id="{55B0D56E-A8D9-4835-9121-D0F2B7B922B1}" type="datetime1">
               <a:rPr lang="zh-TW" altLang="en-US" smtClean="0"/>
-              <a:t>2024/5/8</a:t>
+              <a:t>2024/5/13</a:t>
             </a:fld>
             <a:endParaRPr lang="en-US" dirty="0"/>
           </a:p>
@@ -3822,7 +3825,7 @@
           <a:p>
             <a:fld id="{86D72111-2BF8-49E3-AA06-55BC47AB46EA}" type="datetime1">
               <a:rPr lang="zh-TW" altLang="en-US" smtClean="0"/>
-              <a:t>2024/5/8</a:t>
+              <a:t>2024/5/13</a:t>
             </a:fld>
             <a:endParaRPr lang="en-US" dirty="0"/>
           </a:p>
@@ -4815,6 +4818,283 @@
 </p:sld>
 </file>
 
+<file path=ppt/slides/slide10.xml><?xml version="1.0" encoding="utf-8"?>
+<p:sld xmlns:a="http://schemas.openxmlformats.org/drawingml/2006/main" xmlns:r="http://schemas.openxmlformats.org/officeDocument/2006/relationships" xmlns:p="http://schemas.openxmlformats.org/presentationml/2006/main">
+  <p:cSld>
+    <p:spTree>
+      <p:nvGrpSpPr>
+        <p:cNvPr id="1" name=""/>
+        <p:cNvGrpSpPr/>
+        <p:nvPr/>
+      </p:nvGrpSpPr>
+      <p:grpSpPr>
+        <a:xfrm>
+          <a:off x="0" y="0"/>
+          <a:ext cx="0" cy="0"/>
+          <a:chOff x="0" y="0"/>
+          <a:chExt cx="0" cy="0"/>
+        </a:xfrm>
+      </p:grpSpPr>
+      <p:sp>
+        <p:nvSpPr>
+          <p:cNvPr id="2" name="標題 1">
+            <a:extLst>
+              <a:ext uri="{FF2B5EF4-FFF2-40B4-BE49-F238E27FC236}">
+                <a16:creationId xmlns:a16="http://schemas.microsoft.com/office/drawing/2014/main" id="{F692DEFE-FD25-4A18-B8F8-8F7AFFB3DF2C}"/>
+              </a:ext>
+            </a:extLst>
+          </p:cNvPr>
+          <p:cNvSpPr>
+            <a:spLocks noGrp="1"/>
+          </p:cNvSpPr>
+          <p:nvPr>
+            <p:ph type="title"/>
+          </p:nvPr>
+        </p:nvSpPr>
+        <p:spPr/>
+        <p:txBody>
+          <a:bodyPr/>
+          <a:lstStyle/>
+          <a:p>
+            <a:r>
+              <a:rPr lang="zh-TW" altLang="en-US" dirty="0"/>
+              <a:t>驗收</a:t>
+            </a:r>
+          </a:p>
+        </p:txBody>
+      </p:sp>
+      <p:sp>
+        <p:nvSpPr>
+          <p:cNvPr id="3" name="內容版面配置區 2">
+            <a:extLst>
+              <a:ext uri="{FF2B5EF4-FFF2-40B4-BE49-F238E27FC236}">
+                <a16:creationId xmlns:a16="http://schemas.microsoft.com/office/drawing/2014/main" id="{D97DE27E-C013-451E-B01A-A3102CEA212E}"/>
+              </a:ext>
+            </a:extLst>
+          </p:cNvPr>
+          <p:cNvSpPr>
+            <a:spLocks noGrp="1"/>
+          </p:cNvSpPr>
+          <p:nvPr>
+            <p:ph idx="1"/>
+          </p:nvPr>
+        </p:nvSpPr>
+        <p:spPr/>
+        <p:txBody>
+          <a:bodyPr/>
+          <a:lstStyle/>
+          <a:p>
+            <a:pPr marL="457200" indent="-457200">
+              <a:buFont typeface="+mj-lt"/>
+              <a:buAutoNum type="arabicPeriod"/>
+            </a:pPr>
+            <a:r>
+              <a:rPr lang="zh-TW" altLang="en-US" dirty="0"/>
+              <a:t>腳本可以自行通關</a:t>
+            </a:r>
+            <a:r>
+              <a:rPr lang="en-US" altLang="zh-TW" dirty="0"/>
+              <a:t>Level1.~Level20.</a:t>
+            </a:r>
+            <a:r>
+              <a:rPr lang="zh-TW" altLang="en-US" dirty="0"/>
+              <a:t>。</a:t>
+            </a:r>
+            <a:endParaRPr lang="en-US" altLang="zh-TW" dirty="0"/>
+          </a:p>
+          <a:p>
+            <a:pPr marL="457200" indent="-457200">
+              <a:buFont typeface="+mj-lt"/>
+              <a:buAutoNum type="arabicPeriod"/>
+            </a:pPr>
+            <a:r>
+              <a:rPr lang="zh-TW" altLang="en-US" dirty="0"/>
+              <a:t>能判斷、預測球的路徑軌跡。</a:t>
+            </a:r>
+            <a:endParaRPr lang="en-US" altLang="zh-TW" dirty="0"/>
+          </a:p>
+          <a:p>
+            <a:pPr marL="457200" indent="-457200">
+              <a:buFont typeface="+mj-lt"/>
+              <a:buAutoNum type="arabicPeriod"/>
+            </a:pPr>
+            <a:endParaRPr lang="zh-TW" altLang="en-US" dirty="0"/>
+          </a:p>
+        </p:txBody>
+      </p:sp>
+      <p:sp>
+        <p:nvSpPr>
+          <p:cNvPr id="4" name="日期版面配置區 3">
+            <a:extLst>
+              <a:ext uri="{FF2B5EF4-FFF2-40B4-BE49-F238E27FC236}">
+                <a16:creationId xmlns:a16="http://schemas.microsoft.com/office/drawing/2014/main" id="{FE89C05E-AAE1-4F24-8495-B63D0ECED82E}"/>
+              </a:ext>
+            </a:extLst>
+          </p:cNvPr>
+          <p:cNvSpPr>
+            <a:spLocks noGrp="1"/>
+          </p:cNvSpPr>
+          <p:nvPr>
+            <p:ph type="dt" sz="half" idx="10"/>
+          </p:nvPr>
+        </p:nvSpPr>
+        <p:spPr/>
+        <p:txBody>
+          <a:bodyPr/>
+          <a:lstStyle/>
+          <a:p>
+            <a:pPr rtl="0"/>
+            <a:fld id="{A55B7815-05FA-48A0-B9F7-1E04C4F2927A}" type="datetime1">
+              <a:rPr lang="zh-TW" altLang="en-US" smtClean="0"/>
+              <a:t>2024/5/13</a:t>
+            </a:fld>
+            <a:endParaRPr lang="en-US" dirty="0"/>
+          </a:p>
+        </p:txBody>
+      </p:sp>
+    </p:spTree>
+    <p:extLst>
+      <p:ext uri="{BB962C8B-B14F-4D97-AF65-F5344CB8AC3E}">
+        <p14:creationId xmlns:p14="http://schemas.microsoft.com/office/powerpoint/2010/main" val="1132403444"/>
+      </p:ext>
+    </p:extLst>
+  </p:cSld>
+  <p:clrMapOvr>
+    <a:masterClrMapping/>
+  </p:clrMapOvr>
+</p:sld>
+</file>
+
+<file path=ppt/slides/slide11.xml><?xml version="1.0" encoding="utf-8"?>
+<p:sld xmlns:a="http://schemas.openxmlformats.org/drawingml/2006/main" xmlns:r="http://schemas.openxmlformats.org/officeDocument/2006/relationships" xmlns:p="http://schemas.openxmlformats.org/presentationml/2006/main">
+  <p:cSld>
+    <p:spTree>
+      <p:nvGrpSpPr>
+        <p:cNvPr id="1" name=""/>
+        <p:cNvGrpSpPr/>
+        <p:nvPr/>
+      </p:nvGrpSpPr>
+      <p:grpSpPr>
+        <a:xfrm>
+          <a:off x="0" y="0"/>
+          <a:ext cx="0" cy="0"/>
+          <a:chOff x="0" y="0"/>
+          <a:chExt cx="0" cy="0"/>
+        </a:xfrm>
+      </p:grpSpPr>
+      <p:sp>
+        <p:nvSpPr>
+          <p:cNvPr id="2" name="標題 1">
+            <a:extLst>
+              <a:ext uri="{FF2B5EF4-FFF2-40B4-BE49-F238E27FC236}">
+                <a16:creationId xmlns:a16="http://schemas.microsoft.com/office/drawing/2014/main" id="{26BAE90A-74C5-42B2-994C-F099BBC37CC3}"/>
+              </a:ext>
+            </a:extLst>
+          </p:cNvPr>
+          <p:cNvSpPr>
+            <a:spLocks noGrp="1"/>
+          </p:cNvSpPr>
+          <p:nvPr>
+            <p:ph type="title"/>
+          </p:nvPr>
+        </p:nvSpPr>
+        <p:spPr/>
+        <p:txBody>
+          <a:bodyPr/>
+          <a:lstStyle/>
+          <a:p>
+            <a:r>
+              <a:rPr lang="zh-TW" altLang="en-US" dirty="0"/>
+              <a:t>補充</a:t>
+            </a:r>
+          </a:p>
+        </p:txBody>
+      </p:sp>
+      <p:sp>
+        <p:nvSpPr>
+          <p:cNvPr id="3" name="內容版面配置區 2">
+            <a:extLst>
+              <a:ext uri="{FF2B5EF4-FFF2-40B4-BE49-F238E27FC236}">
+                <a16:creationId xmlns:a16="http://schemas.microsoft.com/office/drawing/2014/main" id="{3CE47CE4-79EA-41A3-8958-7E878A71334C}"/>
+              </a:ext>
+            </a:extLst>
+          </p:cNvPr>
+          <p:cNvSpPr>
+            <a:spLocks noGrp="1"/>
+          </p:cNvSpPr>
+          <p:nvPr>
+            <p:ph idx="1"/>
+          </p:nvPr>
+        </p:nvSpPr>
+        <p:spPr/>
+        <p:txBody>
+          <a:bodyPr/>
+          <a:lstStyle/>
+          <a:p>
+            <a:r>
+              <a:rPr lang="en-US" altLang="zh-TW" dirty="0"/>
+              <a:t>1.</a:t>
+            </a:r>
+            <a:r>
+              <a:rPr lang="zh-TW" altLang="en-US" dirty="0"/>
+              <a:t>時序圖</a:t>
+            </a:r>
+            <a:endParaRPr lang="en-US" altLang="zh-TW" dirty="0"/>
+          </a:p>
+          <a:p>
+            <a:r>
+              <a:rPr lang="en-US" altLang="zh-TW" dirty="0"/>
+              <a:t>2.api</a:t>
+            </a:r>
+          </a:p>
+          <a:p>
+            <a:endParaRPr lang="zh-TW" altLang="en-US" dirty="0"/>
+          </a:p>
+        </p:txBody>
+      </p:sp>
+      <p:sp>
+        <p:nvSpPr>
+          <p:cNvPr id="4" name="日期版面配置區 3">
+            <a:extLst>
+              <a:ext uri="{FF2B5EF4-FFF2-40B4-BE49-F238E27FC236}">
+                <a16:creationId xmlns:a16="http://schemas.microsoft.com/office/drawing/2014/main" id="{C56A74E0-B783-42AC-B7BC-53F4FDF64420}"/>
+              </a:ext>
+            </a:extLst>
+          </p:cNvPr>
+          <p:cNvSpPr>
+            <a:spLocks noGrp="1"/>
+          </p:cNvSpPr>
+          <p:nvPr>
+            <p:ph type="dt" sz="half" idx="10"/>
+          </p:nvPr>
+        </p:nvSpPr>
+        <p:spPr/>
+        <p:txBody>
+          <a:bodyPr/>
+          <a:lstStyle/>
+          <a:p>
+            <a:pPr rtl="0"/>
+            <a:fld id="{A55B7815-05FA-48A0-B9F7-1E04C4F2927A}" type="datetime1">
+              <a:rPr lang="zh-TW" altLang="en-US" smtClean="0"/>
+              <a:t>2024/5/13</a:t>
+            </a:fld>
+            <a:endParaRPr lang="en-US" dirty="0"/>
+          </a:p>
+        </p:txBody>
+      </p:sp>
+    </p:spTree>
+    <p:extLst>
+      <p:ext uri="{BB962C8B-B14F-4D97-AF65-F5344CB8AC3E}">
+        <p14:creationId xmlns:p14="http://schemas.microsoft.com/office/powerpoint/2010/main" val="3462302890"/>
+      </p:ext>
+    </p:extLst>
+  </p:cSld>
+  <p:clrMapOvr>
+    <a:masterClrMapping/>
+  </p:clrMapOvr>
+</p:sld>
+</file>
+
 <file path=ppt/slides/slide2.xml><?xml version="1.0" encoding="utf-8"?>
 <p:sld xmlns:a="http://schemas.openxmlformats.org/drawingml/2006/main" xmlns:r="http://schemas.openxmlformats.org/officeDocument/2006/relationships" xmlns:p="http://schemas.openxmlformats.org/presentationml/2006/main">
   <p:cSld>
@@ -5147,7 +5427,7 @@
             <a:pPr rtl="0"/>
             <a:fld id="{A55B7815-05FA-48A0-B9F7-1E04C4F2927A}" type="datetime1">
               <a:rPr lang="zh-TW" altLang="en-US" smtClean="0"/>
-              <a:t>2024/5/8</a:t>
+              <a:t>2024/5/13</a:t>
             </a:fld>
             <a:endParaRPr lang="en-US" dirty="0"/>
           </a:p>
@@ -5271,7 +5551,7 @@
                 <a:latin typeface="標楷體" panose="03000509000000000000" pitchFamily="65" charset="-120"/>
                 <a:ea typeface="標楷體" panose="03000509000000000000" pitchFamily="65" charset="-120"/>
               </a:rPr>
-              <a:t>2024/5/8</a:t>
+              <a:t>2024/5/13</a:t>
             </a:fld>
             <a:endParaRPr lang="en-US" dirty="0">
               <a:latin typeface="標楷體" panose="03000509000000000000" pitchFamily="65" charset="-120"/>
@@ -6710,7 +6990,7 @@
             <a:pPr rtl="0"/>
             <a:fld id="{A55B7815-05FA-48A0-B9F7-1E04C4F2927A}" type="datetime1">
               <a:rPr lang="zh-TW" altLang="en-US" smtClean="0"/>
-              <a:t>2024/5/8</a:t>
+              <a:t>2024/5/13</a:t>
             </a:fld>
             <a:endParaRPr lang="en-US" dirty="0"/>
           </a:p>
@@ -8633,7 +8913,7 @@
             <a:pPr rtl="0"/>
             <a:fld id="{A55B7815-05FA-48A0-B9F7-1E04C4F2927A}" type="datetime1">
               <a:rPr lang="zh-TW" altLang="en-US" smtClean="0"/>
-              <a:t>2024/5/8</a:t>
+              <a:t>2024/5/13</a:t>
             </a:fld>
             <a:endParaRPr lang="en-US" dirty="0"/>
           </a:p>
@@ -9465,7 +9745,7 @@
             <a:pPr rtl="0"/>
             <a:fld id="{A55B7815-05FA-48A0-B9F7-1E04C4F2927A}" type="datetime1">
               <a:rPr lang="zh-TW" altLang="en-US" smtClean="0"/>
-              <a:t>2024/5/8</a:t>
+              <a:t>2024/5/13</a:t>
             </a:fld>
             <a:endParaRPr lang="en-US" dirty="0"/>
           </a:p>
@@ -9702,7 +9982,7 @@
             <a:pPr rtl="0"/>
             <a:fld id="{A55B7815-05FA-48A0-B9F7-1E04C4F2927A}" type="datetime1">
               <a:rPr lang="zh-TW" altLang="en-US" smtClean="0"/>
-              <a:t>2024/5/8</a:t>
+              <a:t>2024/5/13</a:t>
             </a:fld>
             <a:endParaRPr lang="en-US" dirty="0"/>
           </a:p>
@@ -10709,7 +10989,7 @@
           <p:cNvPr id="2" name="標題 1">
             <a:extLst>
               <a:ext uri="{FF2B5EF4-FFF2-40B4-BE49-F238E27FC236}">
-                <a16:creationId xmlns:a16="http://schemas.microsoft.com/office/drawing/2014/main" id="{F692DEFE-FD25-4A18-B8F8-8F7AFFB3DF2C}"/>
+                <a16:creationId xmlns:a16="http://schemas.microsoft.com/office/drawing/2014/main" id="{DED59C1C-411D-4FA7-892A-60F8485E641C}"/>
               </a:ext>
             </a:extLst>
           </p:cNvPr>
@@ -10727,8 +11007,132 @@
           <a:p>
             <a:r>
               <a:rPr lang="zh-TW" altLang="en-US" dirty="0"/>
-              <a:t>驗收</a:t>
-            </a:r>
+              <a:t>時序圖</a:t>
+            </a:r>
+          </a:p>
+        </p:txBody>
+      </p:sp>
+      <p:pic>
+        <p:nvPicPr>
+          <p:cNvPr id="6" name="內容版面配置區 5">
+            <a:extLst>
+              <a:ext uri="{FF2B5EF4-FFF2-40B4-BE49-F238E27FC236}">
+                <a16:creationId xmlns:a16="http://schemas.microsoft.com/office/drawing/2014/main" id="{36B0E356-FE87-41D6-8A01-FE9C459BD045}"/>
+              </a:ext>
+            </a:extLst>
+          </p:cNvPr>
+          <p:cNvPicPr>
+            <a:picLocks noGrp="1" noChangeAspect="1"/>
+          </p:cNvPicPr>
+          <p:nvPr>
+            <p:ph idx="1"/>
+          </p:nvPr>
+        </p:nvPicPr>
+        <p:blipFill>
+          <a:blip r:embed="rId2">
+            <a:extLst>
+              <a:ext uri="{28A0092B-C50C-407E-A947-70E740481C1C}">
+                <a14:useLocalDpi xmlns:a14="http://schemas.microsoft.com/office/drawing/2010/main" val="0"/>
+              </a:ext>
+            </a:extLst>
+          </a:blip>
+          <a:stretch>
+            <a:fillRect/>
+          </a:stretch>
+        </p:blipFill>
+        <p:spPr>
+          <a:xfrm>
+            <a:off x="1097280" y="2108200"/>
+            <a:ext cx="10058399" cy="4057708"/>
+          </a:xfrm>
+        </p:spPr>
+      </p:pic>
+      <p:sp>
+        <p:nvSpPr>
+          <p:cNvPr id="4" name="日期版面配置區 3">
+            <a:extLst>
+              <a:ext uri="{FF2B5EF4-FFF2-40B4-BE49-F238E27FC236}">
+                <a16:creationId xmlns:a16="http://schemas.microsoft.com/office/drawing/2014/main" id="{925A9FE7-E14F-465C-B5A5-9645346248E9}"/>
+              </a:ext>
+            </a:extLst>
+          </p:cNvPr>
+          <p:cNvSpPr>
+            <a:spLocks noGrp="1"/>
+          </p:cNvSpPr>
+          <p:nvPr>
+            <p:ph type="dt" sz="half" idx="10"/>
+          </p:nvPr>
+        </p:nvSpPr>
+        <p:spPr/>
+        <p:txBody>
+          <a:bodyPr/>
+          <a:lstStyle/>
+          <a:p>
+            <a:pPr rtl="0"/>
+            <a:fld id="{A55B7815-05FA-48A0-B9F7-1E04C4F2927A}" type="datetime1">
+              <a:rPr lang="zh-TW" altLang="en-US" smtClean="0"/>
+              <a:t>2024/5/13</a:t>
+            </a:fld>
+            <a:endParaRPr lang="en-US" dirty="0"/>
+          </a:p>
+        </p:txBody>
+      </p:sp>
+    </p:spTree>
+    <p:extLst>
+      <p:ext uri="{BB962C8B-B14F-4D97-AF65-F5344CB8AC3E}">
+        <p14:creationId xmlns:p14="http://schemas.microsoft.com/office/powerpoint/2010/main" val="1626297640"/>
+      </p:ext>
+    </p:extLst>
+  </p:cSld>
+  <p:clrMapOvr>
+    <a:masterClrMapping/>
+  </p:clrMapOvr>
+</p:sld>
+</file>
+
+<file path=ppt/slides/slide9.xml><?xml version="1.0" encoding="utf-8"?>
+<p:sld xmlns:a="http://schemas.openxmlformats.org/drawingml/2006/main" xmlns:r="http://schemas.openxmlformats.org/officeDocument/2006/relationships" xmlns:p="http://schemas.openxmlformats.org/presentationml/2006/main">
+  <p:cSld>
+    <p:spTree>
+      <p:nvGrpSpPr>
+        <p:cNvPr id="1" name=""/>
+        <p:cNvGrpSpPr/>
+        <p:nvPr/>
+      </p:nvGrpSpPr>
+      <p:grpSpPr>
+        <a:xfrm>
+          <a:off x="0" y="0"/>
+          <a:ext cx="0" cy="0"/>
+          <a:chOff x="0" y="0"/>
+          <a:chExt cx="0" cy="0"/>
+        </a:xfrm>
+      </p:grpSpPr>
+      <p:sp>
+        <p:nvSpPr>
+          <p:cNvPr id="2" name="標題 1">
+            <a:extLst>
+              <a:ext uri="{FF2B5EF4-FFF2-40B4-BE49-F238E27FC236}">
+                <a16:creationId xmlns:a16="http://schemas.microsoft.com/office/drawing/2014/main" id="{67E540FF-DE0C-487A-B307-44938E25B378}"/>
+              </a:ext>
+            </a:extLst>
+          </p:cNvPr>
+          <p:cNvSpPr>
+            <a:spLocks noGrp="1"/>
+          </p:cNvSpPr>
+          <p:nvPr>
+            <p:ph type="title"/>
+          </p:nvPr>
+        </p:nvSpPr>
+        <p:spPr/>
+        <p:txBody>
+          <a:bodyPr/>
+          <a:lstStyle/>
+          <a:p>
+            <a:r>
+              <a:rPr lang="en-US" altLang="zh-TW" dirty="0"/>
+              <a:t>API</a:t>
+            </a:r>
+            <a:endParaRPr lang="zh-TW" altLang="en-US" dirty="0"/>
           </a:p>
         </p:txBody>
       </p:sp>
@@ -10737,7 +11141,7 @@
           <p:cNvPr id="3" name="內容版面配置區 2">
             <a:extLst>
               <a:ext uri="{FF2B5EF4-FFF2-40B4-BE49-F238E27FC236}">
-                <a16:creationId xmlns:a16="http://schemas.microsoft.com/office/drawing/2014/main" id="{D97DE27E-C013-451E-B01A-A3102CEA212E}"/>
+                <a16:creationId xmlns:a16="http://schemas.microsoft.com/office/drawing/2014/main" id="{18E0056D-0D3D-4320-A5C3-AC26D52C470E}"/>
               </a:ext>
             </a:extLst>
           </p:cNvPr>
@@ -10753,40 +11157,6 @@
           <a:bodyPr/>
           <a:lstStyle/>
           <a:p>
-            <a:pPr marL="457200" indent="-457200">
-              <a:buFont typeface="+mj-lt"/>
-              <a:buAutoNum type="arabicPeriod"/>
-            </a:pPr>
-            <a:r>
-              <a:rPr lang="zh-TW" altLang="en-US" dirty="0"/>
-              <a:t>腳本可以自行通關</a:t>
-            </a:r>
-            <a:r>
-              <a:rPr lang="en-US" altLang="zh-TW" dirty="0"/>
-              <a:t>Level1.~Level20.</a:t>
-            </a:r>
-            <a:r>
-              <a:rPr lang="zh-TW" altLang="en-US" dirty="0"/>
-              <a:t>。</a:t>
-            </a:r>
-            <a:endParaRPr lang="en-US" altLang="zh-TW" dirty="0"/>
-          </a:p>
-          <a:p>
-            <a:pPr marL="457200" indent="-457200">
-              <a:buFont typeface="+mj-lt"/>
-              <a:buAutoNum type="arabicPeriod"/>
-            </a:pPr>
-            <a:r>
-              <a:rPr lang="zh-TW" altLang="en-US" dirty="0"/>
-              <a:t>能判斷、預測球的路徑軌跡。</a:t>
-            </a:r>
-            <a:endParaRPr lang="en-US" altLang="zh-TW" dirty="0"/>
-          </a:p>
-          <a:p>
-            <a:pPr marL="457200" indent="-457200">
-              <a:buFont typeface="+mj-lt"/>
-              <a:buAutoNum type="arabicPeriod"/>
-            </a:pPr>
             <a:endParaRPr lang="zh-TW" altLang="en-US" dirty="0"/>
           </a:p>
         </p:txBody>
@@ -10796,7 +11166,7 @@
           <p:cNvPr id="4" name="日期版面配置區 3">
             <a:extLst>
               <a:ext uri="{FF2B5EF4-FFF2-40B4-BE49-F238E27FC236}">
-                <a16:creationId xmlns:a16="http://schemas.microsoft.com/office/drawing/2014/main" id="{FE89C05E-AAE1-4F24-8495-B63D0ECED82E}"/>
+                <a16:creationId xmlns:a16="http://schemas.microsoft.com/office/drawing/2014/main" id="{121F0FCA-ABED-49F7-9942-C821DF72CA14}"/>
               </a:ext>
             </a:extLst>
           </p:cNvPr>
@@ -10815,7 +11185,7 @@
             <a:pPr rtl="0"/>
             <a:fld id="{A55B7815-05FA-48A0-B9F7-1E04C4F2927A}" type="datetime1">
               <a:rPr lang="zh-TW" altLang="en-US" smtClean="0"/>
-              <a:t>2024/5/8</a:t>
+              <a:t>2024/5/13</a:t>
             </a:fld>
             <a:endParaRPr lang="en-US" dirty="0"/>
           </a:p>
@@ -10824,7 +11194,7 @@
     </p:spTree>
     <p:extLst>
       <p:ext uri="{BB962C8B-B14F-4D97-AF65-F5344CB8AC3E}">
-        <p14:creationId xmlns:p14="http://schemas.microsoft.com/office/powerpoint/2010/main" val="1132403444"/>
+        <p14:creationId xmlns:p14="http://schemas.microsoft.com/office/powerpoint/2010/main" val="1293982679"/>
       </p:ext>
     </p:extLst>
   </p:cSld>
